--- a/doc/test/AgendaSlidesTextHierarchicalBeforeSync.pptx
+++ b/doc/test/AgendaSlidesTextHierarchicalBeforeSync.pptx
@@ -6,7 +6,7 @@
     <p:sldMasterId id="2147483661" r:id="rId2"/>
   </p:sldMasterIdLst>
   <p:notesMasterIdLst>
-    <p:notesMasterId r:id="rId28"/>
+    <p:notesMasterId r:id="rId27"/>
   </p:notesMasterIdLst>
   <p:sldIdLst>
     <p:sldId id="279" r:id="rId3"/>
@@ -33,7 +33,6 @@
     <p:sldId id="264" r:id="rId24"/>
     <p:sldId id="290" r:id="rId25"/>
     <p:sldId id="291" r:id="rId26"/>
-    <p:sldId id="292" r:id="rId27"/>
   </p:sldIdLst>
   <p:sldSz cx="12192000" cy="6858000"/>
   <p:notesSz cx="6858000" cy="9144000"/>
@@ -181,7 +180,6 @@
             <p14:sldId id="264"/>
             <p14:sldId id="290"/>
             <p14:sldId id="291"/>
-            <p14:sldId id="292"/>
           </p14:sldIdLst>
         </p14:section>
       </p14:sectionLst>
@@ -275,7 +273,7 @@
           <a:p>
             <a:fld id="{B32105C1-24C8-45D1-A21F-C6A549AEEE91}" type="datetimeFigureOut">
               <a:rPr lang="en-US" smtClean="0"/>
-              <a:t>2/23/2017</a:t>
+              <a:t>3/21/2017</a:t>
             </a:fld>
             <a:endParaRPr lang="en-US"/>
           </a:p>
@@ -759,7 +757,7 @@
           <a:p>
             <a:fld id="{7E609FDA-3975-45C4-B655-88143015D3AE}" type="datetimeFigureOut">
               <a:rPr lang="en-US" smtClean="0"/>
-              <a:t>2/23/2017</a:t>
+              <a:t>3/21/2017</a:t>
             </a:fld>
             <a:endParaRPr lang="en-US"/>
           </a:p>
@@ -927,7 +925,7 @@
           <a:p>
             <a:fld id="{7E609FDA-3975-45C4-B655-88143015D3AE}" type="datetimeFigureOut">
               <a:rPr lang="en-US" smtClean="0"/>
-              <a:t>2/23/2017</a:t>
+              <a:t>3/21/2017</a:t>
             </a:fld>
             <a:endParaRPr lang="en-US"/>
           </a:p>
@@ -1105,7 +1103,7 @@
           <a:p>
             <a:fld id="{7E609FDA-3975-45C4-B655-88143015D3AE}" type="datetimeFigureOut">
               <a:rPr lang="en-US" smtClean="0"/>
-              <a:t>2/23/2017</a:t>
+              <a:t>3/21/2017</a:t>
             </a:fld>
             <a:endParaRPr lang="en-US"/>
           </a:p>
@@ -1273,7 +1271,7 @@
           <a:p>
             <a:fld id="{7E609FDA-3975-45C4-B655-88143015D3AE}" type="datetimeFigureOut">
               <a:rPr lang="en-US" smtClean="0"/>
-              <a:t>2/23/2017</a:t>
+              <a:t>3/21/2017</a:t>
             </a:fld>
             <a:endParaRPr lang="en-US"/>
           </a:p>
@@ -1463,7 +1461,7 @@
           <a:p>
             <a:fld id="{375DF146-F883-4712-8AA9-41CC6C1918AD}" type="datetimeFigureOut">
               <a:rPr lang="en-US" smtClean="0"/>
-              <a:t>2/23/2017</a:t>
+              <a:t>3/21/2017</a:t>
             </a:fld>
             <a:endParaRPr lang="en-US"/>
           </a:p>
@@ -1631,7 +1629,7 @@
           <a:p>
             <a:fld id="{375DF146-F883-4712-8AA9-41CC6C1918AD}" type="datetimeFigureOut">
               <a:rPr lang="en-US" smtClean="0"/>
-              <a:t>2/23/2017</a:t>
+              <a:t>3/21/2017</a:t>
             </a:fld>
             <a:endParaRPr lang="en-US"/>
           </a:p>
@@ -1876,7 +1874,7 @@
           <a:p>
             <a:fld id="{375DF146-F883-4712-8AA9-41CC6C1918AD}" type="datetimeFigureOut">
               <a:rPr lang="en-US" smtClean="0"/>
-              <a:t>2/23/2017</a:t>
+              <a:t>3/21/2017</a:t>
             </a:fld>
             <a:endParaRPr lang="en-US"/>
           </a:p>
@@ -2105,7 +2103,7 @@
           <a:p>
             <a:fld id="{375DF146-F883-4712-8AA9-41CC6C1918AD}" type="datetimeFigureOut">
               <a:rPr lang="en-US" smtClean="0"/>
-              <a:t>2/23/2017</a:t>
+              <a:t>3/21/2017</a:t>
             </a:fld>
             <a:endParaRPr lang="en-US"/>
           </a:p>
@@ -2469,7 +2467,7 @@
           <a:p>
             <a:fld id="{375DF146-F883-4712-8AA9-41CC6C1918AD}" type="datetimeFigureOut">
               <a:rPr lang="en-US" smtClean="0"/>
-              <a:t>2/23/2017</a:t>
+              <a:t>3/21/2017</a:t>
             </a:fld>
             <a:endParaRPr lang="en-US"/>
           </a:p>
@@ -2586,7 +2584,7 @@
           <a:p>
             <a:fld id="{375DF146-F883-4712-8AA9-41CC6C1918AD}" type="datetimeFigureOut">
               <a:rPr lang="en-US" smtClean="0"/>
-              <a:t>2/23/2017</a:t>
+              <a:t>3/21/2017</a:t>
             </a:fld>
             <a:endParaRPr lang="en-US"/>
           </a:p>
@@ -2681,7 +2679,7 @@
           <a:p>
             <a:fld id="{375DF146-F883-4712-8AA9-41CC6C1918AD}" type="datetimeFigureOut">
               <a:rPr lang="en-US" smtClean="0"/>
-              <a:t>2/23/2017</a:t>
+              <a:t>3/21/2017</a:t>
             </a:fld>
             <a:endParaRPr lang="en-US"/>
           </a:p>
@@ -2849,7 +2847,7 @@
           <a:p>
             <a:fld id="{7E609FDA-3975-45C4-B655-88143015D3AE}" type="datetimeFigureOut">
               <a:rPr lang="en-US" smtClean="0"/>
-              <a:t>2/23/2017</a:t>
+              <a:t>3/21/2017</a:t>
             </a:fld>
             <a:endParaRPr lang="en-US"/>
           </a:p>
@@ -3124,7 +3122,7 @@
           <a:p>
             <a:fld id="{375DF146-F883-4712-8AA9-41CC6C1918AD}" type="datetimeFigureOut">
               <a:rPr lang="en-US" smtClean="0"/>
-              <a:t>2/23/2017</a:t>
+              <a:t>3/21/2017</a:t>
             </a:fld>
             <a:endParaRPr lang="en-US"/>
           </a:p>
@@ -3376,7 +3374,7 @@
           <a:p>
             <a:fld id="{375DF146-F883-4712-8AA9-41CC6C1918AD}" type="datetimeFigureOut">
               <a:rPr lang="en-US" smtClean="0"/>
-              <a:t>2/23/2017</a:t>
+              <a:t>3/21/2017</a:t>
             </a:fld>
             <a:endParaRPr lang="en-US"/>
           </a:p>
@@ -3544,7 +3542,7 @@
           <a:p>
             <a:fld id="{375DF146-F883-4712-8AA9-41CC6C1918AD}" type="datetimeFigureOut">
               <a:rPr lang="en-US" smtClean="0"/>
-              <a:t>2/23/2017</a:t>
+              <a:t>3/21/2017</a:t>
             </a:fld>
             <a:endParaRPr lang="en-US"/>
           </a:p>
@@ -3722,7 +3720,7 @@
           <a:p>
             <a:fld id="{375DF146-F883-4712-8AA9-41CC6C1918AD}" type="datetimeFigureOut">
               <a:rPr lang="en-US" smtClean="0"/>
-              <a:t>2/23/2017</a:t>
+              <a:t>3/21/2017</a:t>
             </a:fld>
             <a:endParaRPr lang="en-US"/>
           </a:p>
@@ -3890,7 +3888,7 @@
           <a:p>
             <a:fld id="{7E609FDA-3975-45C4-B655-88143015D3AE}" type="datetimeFigureOut">
               <a:rPr lang="en-US" smtClean="0"/>
-              <a:t>2/23/2017</a:t>
+              <a:t>3/21/2017</a:t>
             </a:fld>
             <a:endParaRPr lang="en-US"/>
           </a:p>
@@ -4135,7 +4133,7 @@
           <a:p>
             <a:fld id="{7E609FDA-3975-45C4-B655-88143015D3AE}" type="datetimeFigureOut">
               <a:rPr lang="en-US" smtClean="0"/>
-              <a:t>2/23/2017</a:t>
+              <a:t>3/21/2017</a:t>
             </a:fld>
             <a:endParaRPr lang="en-US"/>
           </a:p>
@@ -4364,7 +4362,7 @@
           <a:p>
             <a:fld id="{7E609FDA-3975-45C4-B655-88143015D3AE}" type="datetimeFigureOut">
               <a:rPr lang="en-US" smtClean="0"/>
-              <a:t>2/23/2017</a:t>
+              <a:t>3/21/2017</a:t>
             </a:fld>
             <a:endParaRPr lang="en-US"/>
           </a:p>
@@ -4728,7 +4726,7 @@
           <a:p>
             <a:fld id="{7E609FDA-3975-45C4-B655-88143015D3AE}" type="datetimeFigureOut">
               <a:rPr lang="en-US" smtClean="0"/>
-              <a:t>2/23/2017</a:t>
+              <a:t>3/21/2017</a:t>
             </a:fld>
             <a:endParaRPr lang="en-US"/>
           </a:p>
@@ -4845,7 +4843,7 @@
           <a:p>
             <a:fld id="{7E609FDA-3975-45C4-B655-88143015D3AE}" type="datetimeFigureOut">
               <a:rPr lang="en-US" smtClean="0"/>
-              <a:t>2/23/2017</a:t>
+              <a:t>3/21/2017</a:t>
             </a:fld>
             <a:endParaRPr lang="en-US"/>
           </a:p>
@@ -4940,7 +4938,7 @@
           <a:p>
             <a:fld id="{7E609FDA-3975-45C4-B655-88143015D3AE}" type="datetimeFigureOut">
               <a:rPr lang="en-US" smtClean="0"/>
-              <a:t>2/23/2017</a:t>
+              <a:t>3/21/2017</a:t>
             </a:fld>
             <a:endParaRPr lang="en-US"/>
           </a:p>
@@ -5215,7 +5213,7 @@
           <a:p>
             <a:fld id="{7E609FDA-3975-45C4-B655-88143015D3AE}" type="datetimeFigureOut">
               <a:rPr lang="en-US" smtClean="0"/>
-              <a:t>2/23/2017</a:t>
+              <a:t>3/21/2017</a:t>
             </a:fld>
             <a:endParaRPr lang="en-US"/>
           </a:p>
@@ -5467,7 +5465,7 @@
           <a:p>
             <a:fld id="{7E609FDA-3975-45C4-B655-88143015D3AE}" type="datetimeFigureOut">
               <a:rPr lang="en-US" smtClean="0"/>
-              <a:t>2/23/2017</a:t>
+              <a:t>3/21/2017</a:t>
             </a:fld>
             <a:endParaRPr lang="en-US"/>
           </a:p>
@@ -5678,7 +5676,7 @@
           <a:p>
             <a:fld id="{7E609FDA-3975-45C4-B655-88143015D3AE}" type="datetimeFigureOut">
               <a:rPr lang="en-US" smtClean="0"/>
-              <a:t>2/23/2017</a:t>
+              <a:t>3/21/2017</a:t>
             </a:fld>
             <a:endParaRPr lang="en-US"/>
           </a:p>
@@ -6220,7 +6218,7 @@
           <a:p>
             <a:fld id="{375DF146-F883-4712-8AA9-41CC6C1918AD}" type="datetimeFigureOut">
               <a:rPr lang="en-US" smtClean="0"/>
-              <a:t>2/23/2017</a:t>
+              <a:t>3/21/2017</a:t>
             </a:fld>
             <a:endParaRPr lang="en-US"/>
           </a:p>
@@ -6712,11 +6710,13 @@
         </p:nvSpPr>
         <p:spPr/>
         <p:txBody>
-          <a:bodyPr/>
+          <a:bodyPr>
+            <a:normAutofit fontScale="40000" lnSpcReduction="20000"/>
+          </a:bodyPr>
           <a:lstStyle/>
           <a:p>
             <a:r>
-              <a:rPr lang="en-US">
+              <a:rPr lang="en-US" b="1" dirty="0">
                 <a:solidFill>
                   <a:srgbClr val="808080"/>
                 </a:solidFill>
@@ -6725,23 +6725,289 @@
             </a:r>
           </a:p>
           <a:p>
-            <a:r>
-              <a:rPr lang="en-US">
+            <a:pPr lvl="1"/>
+            <a:r>
+              <a:rPr lang="en-US" dirty="0">
+                <a:solidFill>
+                  <a:srgbClr val="808080"/>
+                </a:solidFill>
+              </a:rPr>
+              <a:t>Level 2</a:t>
+            </a:r>
+          </a:p>
+          <a:p>
+            <a:pPr lvl="2"/>
+            <a:r>
+              <a:rPr lang="en-US" b="1" u="sng" dirty="0">
+                <a:solidFill>
+                  <a:schemeClr val="accent6"/>
+                </a:solidFill>
+              </a:rPr>
+              <a:t>Level 3</a:t>
+            </a:r>
+          </a:p>
+          <a:p>
+            <a:pPr lvl="3"/>
+            <a:r>
+              <a:rPr lang="en-US" dirty="0">
+                <a:solidFill>
+                  <a:srgbClr val="808080"/>
+                </a:solidFill>
+              </a:rPr>
+              <a:t>Level 4</a:t>
+            </a:r>
+          </a:p>
+          <a:p>
+            <a:pPr lvl="4"/>
+            <a:r>
+              <a:rPr lang="en-US" dirty="0">
+                <a:solidFill>
+                  <a:srgbClr val="808080"/>
+                </a:solidFill>
+              </a:rPr>
+              <a:t>Level 5</a:t>
+            </a:r>
+          </a:p>
+          <a:p>
+            <a:pPr lvl="5"/>
+            <a:r>
+              <a:rPr lang="en-US" dirty="0">
+                <a:solidFill>
+                  <a:srgbClr val="808080"/>
+                </a:solidFill>
+              </a:rPr>
+              <a:t>Level 6</a:t>
+            </a:r>
+          </a:p>
+          <a:p>
+            <a:pPr lvl="6"/>
+            <a:r>
+              <a:rPr lang="en-US" dirty="0">
+                <a:solidFill>
+                  <a:srgbClr val="808080"/>
+                </a:solidFill>
+              </a:rPr>
+              <a:t>Level 7</a:t>
+            </a:r>
+          </a:p>
+          <a:p>
+            <a:pPr lvl="7"/>
+            <a:r>
+              <a:rPr lang="en-US" dirty="0">
+                <a:solidFill>
+                  <a:srgbClr val="808080"/>
+                </a:solidFill>
+              </a:rPr>
+              <a:t>Level 8</a:t>
+            </a:r>
+          </a:p>
+          <a:p>
+            <a:pPr lvl="8"/>
+            <a:r>
+              <a:rPr lang="en-US" b="1" i="1" dirty="0">
+                <a:solidFill>
+                  <a:srgbClr val="808080"/>
+                </a:solidFill>
+              </a:rPr>
+              <a:t>Level 9</a:t>
+            </a:r>
+          </a:p>
+          <a:p>
+            <a:r>
+              <a:rPr lang="en-US" i="1" dirty="0">
+                <a:solidFill>
+                  <a:schemeClr val="accent5">
+                    <a:lumMod val="50000"/>
+                  </a:schemeClr>
+                </a:solidFill>
+              </a:rPr>
+              <a:t>Highlighted bullet format</a:t>
+            </a:r>
+          </a:p>
+          <a:p>
+            <a:pPr lvl="1"/>
+            <a:r>
+              <a:rPr lang="en-US" dirty="0">
                 <a:solidFill>
                   <a:srgbClr val="FF0000"/>
                 </a:solidFill>
               </a:rPr>
-              <a:t>Highlighted bullet format</a:t>
-            </a:r>
-          </a:p>
-          <a:p>
-            <a:r>
-              <a:rPr lang="en-US">
+              <a:t>Level 2</a:t>
+            </a:r>
+          </a:p>
+          <a:p>
+            <a:pPr lvl="2"/>
+            <a:r>
+              <a:rPr lang="en-US" b="1" u="sng" dirty="0">
+                <a:solidFill>
+                  <a:srgbClr val="7030A0"/>
+                </a:solidFill>
+              </a:rPr>
+              <a:t>Level 3</a:t>
+            </a:r>
+          </a:p>
+          <a:p>
+            <a:pPr lvl="3"/>
+            <a:r>
+              <a:rPr lang="en-US" dirty="0">
+                <a:solidFill>
+                  <a:srgbClr val="FF0000"/>
+                </a:solidFill>
+              </a:rPr>
+              <a:t>Level 4</a:t>
+            </a:r>
+          </a:p>
+          <a:p>
+            <a:pPr lvl="4"/>
+            <a:r>
+              <a:rPr lang="en-US" dirty="0">
+                <a:solidFill>
+                  <a:srgbClr val="FF0000"/>
+                </a:solidFill>
+              </a:rPr>
+              <a:t>Level 5</a:t>
+            </a:r>
+          </a:p>
+          <a:p>
+            <a:pPr lvl="5"/>
+            <a:r>
+              <a:rPr lang="en-US" dirty="0">
+                <a:solidFill>
+                  <a:srgbClr val="FF0000"/>
+                </a:solidFill>
+              </a:rPr>
+              <a:t>Level 6</a:t>
+            </a:r>
+          </a:p>
+          <a:p>
+            <a:pPr lvl="6"/>
+            <a:r>
+              <a:rPr lang="en-US" dirty="0">
+                <a:solidFill>
+                  <a:srgbClr val="FF0000"/>
+                </a:solidFill>
+              </a:rPr>
+              <a:t>Level 7</a:t>
+            </a:r>
+          </a:p>
+          <a:p>
+            <a:pPr lvl="7"/>
+            <a:r>
+              <a:rPr lang="en-US" dirty="0">
+                <a:solidFill>
+                  <a:srgbClr val="FF0000"/>
+                </a:solidFill>
+              </a:rPr>
+              <a:t>Level 8</a:t>
+            </a:r>
+          </a:p>
+          <a:p>
+            <a:pPr lvl="8"/>
+            <a:r>
+              <a:rPr lang="en-US" b="1" i="1" dirty="0">
+                <a:solidFill>
+                  <a:srgbClr val="FF0000"/>
+                </a:solidFill>
+              </a:rPr>
+              <a:t>Level 9</a:t>
+            </a:r>
+          </a:p>
+          <a:p>
+            <a:r>
+              <a:rPr lang="en-US" u="sng" dirty="0">
+                <a:solidFill>
+                  <a:schemeClr val="accent6"/>
+                </a:solidFill>
+              </a:rPr>
+              <a:t>Unvisited bullet format</a:t>
+            </a:r>
+          </a:p>
+          <a:p>
+            <a:pPr lvl="1"/>
+            <a:r>
+              <a:rPr lang="en-US" dirty="0">
                 <a:solidFill>
                   <a:srgbClr val="000000"/>
                 </a:solidFill>
               </a:rPr>
-              <a:t>Unvisited bullet format</a:t>
+              <a:t>Level 2</a:t>
+            </a:r>
+          </a:p>
+          <a:p>
+            <a:pPr lvl="2"/>
+            <a:r>
+              <a:rPr lang="en-US" b="1" u="sng" dirty="0">
+                <a:solidFill>
+                  <a:schemeClr val="accent2"/>
+                </a:solidFill>
+              </a:rPr>
+              <a:t>Level 3</a:t>
+            </a:r>
+          </a:p>
+          <a:p>
+            <a:pPr lvl="3"/>
+            <a:r>
+              <a:rPr lang="en-US" dirty="0">
+                <a:solidFill>
+                  <a:srgbClr val="000000"/>
+                </a:solidFill>
+              </a:rPr>
+              <a:t>Level 4</a:t>
+            </a:r>
+          </a:p>
+          <a:p>
+            <a:pPr lvl="4"/>
+            <a:r>
+              <a:rPr lang="en-US" dirty="0">
+                <a:solidFill>
+                  <a:srgbClr val="000000"/>
+                </a:solidFill>
+              </a:rPr>
+              <a:t>Level 5</a:t>
+            </a:r>
+          </a:p>
+          <a:p>
+            <a:pPr lvl="5"/>
+            <a:r>
+              <a:rPr lang="en-US" dirty="0">
+                <a:solidFill>
+                  <a:srgbClr val="000000"/>
+                </a:solidFill>
+              </a:rPr>
+              <a:t>Level 6</a:t>
+            </a:r>
+          </a:p>
+          <a:p>
+            <a:pPr lvl="6"/>
+            <a:r>
+              <a:rPr lang="en-US" dirty="0">
+                <a:solidFill>
+                  <a:srgbClr val="000000"/>
+                </a:solidFill>
+              </a:rPr>
+              <a:t>Level 7</a:t>
+            </a:r>
+          </a:p>
+          <a:p>
+            <a:pPr lvl="7"/>
+            <a:r>
+              <a:rPr lang="en-US" dirty="0">
+                <a:solidFill>
+                  <a:srgbClr val="000000"/>
+                </a:solidFill>
+              </a:rPr>
+              <a:t>Level 8</a:t>
+            </a:r>
+          </a:p>
+          <a:p>
+            <a:pPr lvl="8"/>
+            <a:r>
+              <a:rPr lang="en-US" b="1" i="1" dirty="0">
+                <a:solidFill>
+                  <a:srgbClr val="000000"/>
+                </a:solidFill>
+              </a:rPr>
+              <a:t>Level 9</a:t>
             </a:r>
           </a:p>
         </p:txBody>
@@ -13938,66 +14204,6 @@
       </p:par>
     </p:tnLst>
   </p:timing>
-</p:sld>
-</file>
-
-<file path=ppt/slides/slide25.xml><?xml version="1.0" encoding="utf-8"?>
-<p:sld xmlns:a="http://schemas.openxmlformats.org/drawingml/2006/main" xmlns:r="http://schemas.openxmlformats.org/officeDocument/2006/relationships" xmlns:p="http://schemas.openxmlformats.org/presentationml/2006/main" show="0">
-  <p:cSld name="PPTLabsAcknowledgementSlide">
-    <p:spTree>
-      <p:nvGrpSpPr>
-        <p:cNvPr id="1" name=""/>
-        <p:cNvGrpSpPr/>
-        <p:nvPr/>
-      </p:nvGrpSpPr>
-      <p:grpSpPr>
-        <a:xfrm>
-          <a:off x="0" y="0"/>
-          <a:ext cx="0" cy="0"/>
-          <a:chOff x="0" y="0"/>
-          <a:chExt cx="0" cy="0"/>
-        </a:xfrm>
-      </p:grpSpPr>
-      <p:pic>
-        <p:nvPicPr>
-          <p:cNvPr id="2" name="Picture 1"/>
-          <p:cNvPicPr>
-            <a:picLocks noChangeAspect="1"/>
-          </p:cNvPicPr>
-          <p:nvPr/>
-        </p:nvPicPr>
-        <p:blipFill>
-          <a:blip r:embed="rId2">
-            <a:extLst>
-              <a:ext uri="{28A0092B-C50C-407E-A947-70E740481C1C}">
-                <a14:useLocalDpi xmlns:a14="http://schemas.microsoft.com/office/drawing/2010/main" val="0"/>
-              </a:ext>
-            </a:extLst>
-          </a:blip>
-          <a:stretch>
-            <a:fillRect/>
-          </a:stretch>
-        </p:blipFill>
-        <p:spPr>
-          <a:xfrm>
-            <a:off x="0" y="229269"/>
-            <a:ext cx="12192000" cy="6399462"/>
-          </a:xfrm>
-          <a:prstGeom prst="rect">
-            <a:avLst/>
-          </a:prstGeom>
-        </p:spPr>
-      </p:pic>
-    </p:spTree>
-    <p:extLst>
-      <p:ext uri="{BB962C8B-B14F-4D97-AF65-F5344CB8AC3E}">
-        <p14:creationId xmlns:p14="http://schemas.microsoft.com/office/powerpoint/2010/main" val="1016288400"/>
-      </p:ext>
-    </p:extLst>
-  </p:cSld>
-  <p:clrMapOvr>
-    <a:masterClrMapping/>
-  </p:clrMapOvr>
 </p:sld>
 </file>
 
